--- a/vocabulary/SampledFeatureDecisionTree.pptx
+++ b/vocabulary/SampledFeatureDecisionTree.pptx
@@ -243,7 +243,7 @@
           <a:p>
             <a:fld id="{47AA5A20-FE08-4F04-A6A9-90A748025DF5}" type="datetimeFigureOut">
               <a:rPr lang="en-US" smtClean="0"/>
-              <a:t>4/12/2021</a:t>
+              <a:t>4/20/2021</a:t>
             </a:fld>
             <a:endParaRPr lang="en-US"/>
           </a:p>
@@ -413,7 +413,7 @@
           <a:p>
             <a:fld id="{47AA5A20-FE08-4F04-A6A9-90A748025DF5}" type="datetimeFigureOut">
               <a:rPr lang="en-US" smtClean="0"/>
-              <a:t>4/12/2021</a:t>
+              <a:t>4/20/2021</a:t>
             </a:fld>
             <a:endParaRPr lang="en-US"/>
           </a:p>
@@ -593,7 +593,7 @@
           <a:p>
             <a:fld id="{47AA5A20-FE08-4F04-A6A9-90A748025DF5}" type="datetimeFigureOut">
               <a:rPr lang="en-US" smtClean="0"/>
-              <a:t>4/12/2021</a:t>
+              <a:t>4/20/2021</a:t>
             </a:fld>
             <a:endParaRPr lang="en-US"/>
           </a:p>
@@ -763,7 +763,7 @@
           <a:p>
             <a:fld id="{47AA5A20-FE08-4F04-A6A9-90A748025DF5}" type="datetimeFigureOut">
               <a:rPr lang="en-US" smtClean="0"/>
-              <a:t>4/12/2021</a:t>
+              <a:t>4/20/2021</a:t>
             </a:fld>
             <a:endParaRPr lang="en-US"/>
           </a:p>
@@ -1007,7 +1007,7 @@
           <a:p>
             <a:fld id="{47AA5A20-FE08-4F04-A6A9-90A748025DF5}" type="datetimeFigureOut">
               <a:rPr lang="en-US" smtClean="0"/>
-              <a:t>4/12/2021</a:t>
+              <a:t>4/20/2021</a:t>
             </a:fld>
             <a:endParaRPr lang="en-US"/>
           </a:p>
@@ -1239,7 +1239,7 @@
           <a:p>
             <a:fld id="{47AA5A20-FE08-4F04-A6A9-90A748025DF5}" type="datetimeFigureOut">
               <a:rPr lang="en-US" smtClean="0"/>
-              <a:t>4/12/2021</a:t>
+              <a:t>4/20/2021</a:t>
             </a:fld>
             <a:endParaRPr lang="en-US"/>
           </a:p>
@@ -1606,7 +1606,7 @@
           <a:p>
             <a:fld id="{47AA5A20-FE08-4F04-A6A9-90A748025DF5}" type="datetimeFigureOut">
               <a:rPr lang="en-US" smtClean="0"/>
-              <a:t>4/12/2021</a:t>
+              <a:t>4/20/2021</a:t>
             </a:fld>
             <a:endParaRPr lang="en-US"/>
           </a:p>
@@ -1724,7 +1724,7 @@
           <a:p>
             <a:fld id="{47AA5A20-FE08-4F04-A6A9-90A748025DF5}" type="datetimeFigureOut">
               <a:rPr lang="en-US" smtClean="0"/>
-              <a:t>4/12/2021</a:t>
+              <a:t>4/20/2021</a:t>
             </a:fld>
             <a:endParaRPr lang="en-US"/>
           </a:p>
@@ -1819,7 +1819,7 @@
           <a:p>
             <a:fld id="{47AA5A20-FE08-4F04-A6A9-90A748025DF5}" type="datetimeFigureOut">
               <a:rPr lang="en-US" smtClean="0"/>
-              <a:t>4/12/2021</a:t>
+              <a:t>4/20/2021</a:t>
             </a:fld>
             <a:endParaRPr lang="en-US"/>
           </a:p>
@@ -2096,7 +2096,7 @@
           <a:p>
             <a:fld id="{47AA5A20-FE08-4F04-A6A9-90A748025DF5}" type="datetimeFigureOut">
               <a:rPr lang="en-US" smtClean="0"/>
-              <a:t>4/12/2021</a:t>
+              <a:t>4/20/2021</a:t>
             </a:fld>
             <a:endParaRPr lang="en-US"/>
           </a:p>
@@ -2353,7 +2353,7 @@
           <a:p>
             <a:fld id="{47AA5A20-FE08-4F04-A6A9-90A748025DF5}" type="datetimeFigureOut">
               <a:rPr lang="en-US" smtClean="0"/>
-              <a:t>4/12/2021</a:t>
+              <a:t>4/20/2021</a:t>
             </a:fld>
             <a:endParaRPr lang="en-US"/>
           </a:p>
@@ -2566,7 +2566,7 @@
           <a:p>
             <a:fld id="{47AA5A20-FE08-4F04-A6A9-90A748025DF5}" type="datetimeFigureOut">
               <a:rPr lang="en-US" smtClean="0"/>
-              <a:t>4/12/2021</a:t>
+              <a:t>4/20/2021</a:t>
             </a:fld>
             <a:endParaRPr lang="en-US"/>
           </a:p>
@@ -2985,7 +2985,7 @@
         </p:nvSpPr>
         <p:spPr>
           <a:xfrm>
-            <a:off x="449833" y="1106719"/>
+            <a:off x="369325" y="1255616"/>
             <a:ext cx="1612817" cy="646331"/>
           </a:xfrm>
           <a:prstGeom prst="rect">
@@ -3044,7 +3044,7 @@
         </p:nvSpPr>
         <p:spPr>
           <a:xfrm>
-            <a:off x="764368" y="2420397"/>
+            <a:off x="658293" y="2731093"/>
             <a:ext cx="1002736" cy="337872"/>
           </a:xfrm>
           <a:prstGeom prst="rect">
@@ -3103,7 +3103,7 @@
         </p:nvSpPr>
         <p:spPr>
           <a:xfrm>
-            <a:off x="7513458" y="2922218"/>
+            <a:off x="7513458" y="3521310"/>
             <a:ext cx="1648953" cy="629682"/>
           </a:xfrm>
           <a:prstGeom prst="rect">
@@ -3166,8 +3166,8 @@
         </p:nvCxnSpPr>
         <p:spPr>
           <a:xfrm>
-            <a:off x="1265736" y="2758269"/>
-            <a:ext cx="640348" cy="627482"/>
+            <a:off x="1159661" y="3068965"/>
+            <a:ext cx="822481" cy="849557"/>
           </a:xfrm>
           <a:prstGeom prst="straightConnector1">
             <a:avLst/>
@@ -3212,9 +3212,9 @@
           <p:nvPr/>
         </p:nvCxnSpPr>
         <p:spPr>
-          <a:xfrm flipV="1">
-            <a:off x="2062650" y="1294994"/>
-            <a:ext cx="1020652" cy="134891"/>
+          <a:xfrm>
+            <a:off x="1982142" y="1578782"/>
+            <a:ext cx="1114615" cy="57787"/>
           </a:xfrm>
           <a:prstGeom prst="straightConnector1">
             <a:avLst/>
@@ -3257,7 +3257,7 @@
         </p:nvSpPr>
         <p:spPr>
           <a:xfrm>
-            <a:off x="3083302" y="2152350"/>
+            <a:off x="3054126" y="2527135"/>
             <a:ext cx="1967318" cy="369332"/>
           </a:xfrm>
           <a:prstGeom prst="rect">
@@ -3296,9 +3296,9 @@
           <p:nvPr/>
         </p:nvCxnSpPr>
         <p:spPr>
-          <a:xfrm>
-            <a:off x="4066961" y="1637791"/>
-            <a:ext cx="0" cy="514559"/>
+          <a:xfrm flipH="1">
+            <a:off x="4037785" y="1979366"/>
+            <a:ext cx="42631" cy="547769"/>
           </a:xfrm>
           <a:prstGeom prst="straightConnector1">
             <a:avLst/>
@@ -3343,9 +3343,9 @@
           <p:nvPr/>
         </p:nvCxnSpPr>
         <p:spPr>
-          <a:xfrm>
-            <a:off x="1256242" y="1753049"/>
-            <a:ext cx="9495" cy="667348"/>
+          <a:xfrm flipH="1">
+            <a:off x="1159661" y="1901947"/>
+            <a:ext cx="16073" cy="829146"/>
           </a:xfrm>
           <a:prstGeom prst="straightConnector1">
             <a:avLst/>
@@ -3391,8 +3391,8 @@
         </p:nvCxnSpPr>
         <p:spPr>
           <a:xfrm flipH="1">
-            <a:off x="1137692" y="2758269"/>
-            <a:ext cx="128045" cy="965354"/>
+            <a:off x="1137691" y="3068965"/>
+            <a:ext cx="21970" cy="1253750"/>
           </a:xfrm>
           <a:prstGeom prst="straightConnector1">
             <a:avLst/>
@@ -3435,7 +3435,7 @@
         </p:nvSpPr>
         <p:spPr>
           <a:xfrm>
-            <a:off x="1906084" y="3201085"/>
+            <a:off x="1982142" y="3733856"/>
             <a:ext cx="1918189" cy="369332"/>
           </a:xfrm>
           <a:prstGeom prst="rect">
@@ -3478,7 +3478,7 @@
         </p:nvSpPr>
         <p:spPr>
           <a:xfrm>
-            <a:off x="2175437" y="4254568"/>
+            <a:off x="2148653" y="4642397"/>
             <a:ext cx="1751678" cy="369332"/>
           </a:xfrm>
           <a:prstGeom prst="rect">
@@ -3521,7 +3521,7 @@
         </p:nvSpPr>
         <p:spPr>
           <a:xfrm>
-            <a:off x="331074" y="506939"/>
+            <a:off x="343827" y="570641"/>
             <a:ext cx="1436030" cy="646331"/>
           </a:xfrm>
           <a:prstGeom prst="rect">
@@ -3564,7 +3564,7 @@
         </p:nvSpPr>
         <p:spPr>
           <a:xfrm>
-            <a:off x="620029" y="4742459"/>
+            <a:off x="620029" y="5341551"/>
             <a:ext cx="1002736" cy="337872"/>
           </a:xfrm>
           <a:prstGeom prst="rect">
@@ -3623,7 +3623,7 @@
         </p:nvSpPr>
         <p:spPr>
           <a:xfrm>
-            <a:off x="636323" y="3723623"/>
+            <a:off x="636323" y="4322715"/>
             <a:ext cx="1002736" cy="337872"/>
           </a:xfrm>
           <a:prstGeom prst="rect">
@@ -3686,7 +3686,7 @@
         </p:nvCxnSpPr>
         <p:spPr>
           <a:xfrm flipH="1">
-            <a:off x="1121397" y="4061495"/>
+            <a:off x="1121397" y="4660587"/>
             <a:ext cx="16294" cy="680964"/>
           </a:xfrm>
           <a:prstGeom prst="straightConnector1">
@@ -3730,7 +3730,7 @@
         </p:nvSpPr>
         <p:spPr>
           <a:xfrm>
-            <a:off x="2175438" y="4914685"/>
+            <a:off x="2175438" y="5513777"/>
             <a:ext cx="1223083" cy="646331"/>
           </a:xfrm>
           <a:prstGeom prst="rect">
@@ -3777,7 +3777,7 @@
         </p:nvCxnSpPr>
         <p:spPr>
           <a:xfrm>
-            <a:off x="1622765" y="4911395"/>
+            <a:off x="1622765" y="5510487"/>
             <a:ext cx="552673" cy="326456"/>
           </a:xfrm>
           <a:prstGeom prst="straightConnector1">
@@ -3824,8 +3824,8 @@
         </p:nvCxnSpPr>
         <p:spPr>
           <a:xfrm>
-            <a:off x="1639059" y="3892559"/>
-            <a:ext cx="536378" cy="546675"/>
+            <a:off x="1639059" y="4491651"/>
+            <a:ext cx="509594" cy="335412"/>
           </a:xfrm>
           <a:prstGeom prst="straightConnector1">
             <a:avLst/>
@@ -3871,7 +3871,7 @@
         </p:nvCxnSpPr>
         <p:spPr>
           <a:xfrm flipH="1">
-            <a:off x="1015973" y="5080331"/>
+            <a:off x="1015973" y="5679423"/>
             <a:ext cx="105425" cy="884546"/>
           </a:xfrm>
           <a:prstGeom prst="straightConnector1">
@@ -3915,7 +3915,7 @@
         </p:nvSpPr>
         <p:spPr>
           <a:xfrm>
-            <a:off x="188321" y="5964877"/>
+            <a:off x="188321" y="6563969"/>
             <a:ext cx="1655303" cy="700448"/>
           </a:xfrm>
           <a:prstGeom prst="rect">
@@ -3951,7 +3951,7 @@
         </p:nvSpPr>
         <p:spPr>
           <a:xfrm>
-            <a:off x="3083302" y="952197"/>
+            <a:off x="3096757" y="1293772"/>
             <a:ext cx="1967318" cy="685594"/>
           </a:xfrm>
           <a:prstGeom prst="rect">
@@ -4010,7 +4010,7 @@
         </p:nvSpPr>
         <p:spPr>
           <a:xfrm>
-            <a:off x="2544369" y="184082"/>
+            <a:off x="2750650" y="2841487"/>
             <a:ext cx="3106622" cy="553998"/>
           </a:xfrm>
           <a:prstGeom prst="rect">
@@ -4045,7 +4045,7 @@
         </p:nvSpPr>
         <p:spPr>
           <a:xfrm>
-            <a:off x="11540562" y="4521442"/>
+            <a:off x="11540562" y="5120534"/>
             <a:ext cx="1969476" cy="646332"/>
           </a:xfrm>
           <a:prstGeom prst="rect">
@@ -4104,7 +4104,7 @@
         </p:nvSpPr>
         <p:spPr>
           <a:xfrm>
-            <a:off x="9981492" y="3144631"/>
+            <a:off x="9981492" y="3743723"/>
             <a:ext cx="1655303" cy="551534"/>
           </a:xfrm>
           <a:prstGeom prst="rect">
@@ -4163,7 +4163,7 @@
         </p:nvSpPr>
         <p:spPr>
           <a:xfrm>
-            <a:off x="5248853" y="8347141"/>
+            <a:off x="6290443" y="8536942"/>
             <a:ext cx="1412382" cy="509417"/>
           </a:xfrm>
           <a:prstGeom prst="rect">
@@ -4222,7 +4222,7 @@
         </p:nvSpPr>
         <p:spPr>
           <a:xfrm>
-            <a:off x="9424953" y="961553"/>
+            <a:off x="9171538" y="1945289"/>
             <a:ext cx="1742727" cy="614216"/>
           </a:xfrm>
           <a:prstGeom prst="rect">
@@ -4285,7 +4285,7 @@
         </p:nvCxnSpPr>
         <p:spPr>
           <a:xfrm>
-            <a:off x="9162411" y="3237059"/>
+            <a:off x="9162411" y="3836151"/>
             <a:ext cx="819081" cy="183339"/>
           </a:xfrm>
           <a:prstGeom prst="straightConnector1">
@@ -4329,7 +4329,7 @@
         </p:nvSpPr>
         <p:spPr>
           <a:xfrm>
-            <a:off x="5626617" y="6955128"/>
+            <a:off x="6155432" y="7395427"/>
             <a:ext cx="1660469" cy="509417"/>
           </a:xfrm>
           <a:prstGeom prst="rect">
@@ -4388,7 +4388,7 @@
         </p:nvSpPr>
         <p:spPr>
           <a:xfrm>
-            <a:off x="5771201" y="5699570"/>
+            <a:off x="6169944" y="6324391"/>
             <a:ext cx="1586566" cy="441531"/>
           </a:xfrm>
           <a:prstGeom prst="rect">
@@ -4447,7 +4447,7 @@
         </p:nvSpPr>
         <p:spPr>
           <a:xfrm>
-            <a:off x="7052330" y="4266734"/>
+            <a:off x="7052330" y="4865826"/>
             <a:ext cx="1412382" cy="509417"/>
           </a:xfrm>
           <a:prstGeom prst="rect">
@@ -4506,7 +4506,7 @@
         </p:nvSpPr>
         <p:spPr>
           <a:xfrm>
-            <a:off x="5028524" y="9370268"/>
+            <a:off x="6070114" y="9560069"/>
             <a:ext cx="1853040" cy="509417"/>
           </a:xfrm>
           <a:prstGeom prst="rect">
@@ -4569,7 +4569,7 @@
         </p:nvCxnSpPr>
         <p:spPr>
           <a:xfrm flipH="1">
-            <a:off x="9791774" y="3696165"/>
+            <a:off x="9791774" y="4295257"/>
             <a:ext cx="1017370" cy="886403"/>
           </a:xfrm>
           <a:prstGeom prst="straightConnector1">
@@ -4616,7 +4616,7 @@
         </p:nvCxnSpPr>
         <p:spPr>
           <a:xfrm flipH="1">
-            <a:off x="7758521" y="3551900"/>
+            <a:off x="7758521" y="4150992"/>
             <a:ext cx="579414" cy="714834"/>
           </a:xfrm>
           <a:prstGeom prst="straightConnector1">
@@ -4663,8 +4663,8 @@
         </p:nvCxnSpPr>
         <p:spPr>
           <a:xfrm flipH="1">
-            <a:off x="6701307" y="4521443"/>
-            <a:ext cx="351023" cy="163437"/>
+            <a:off x="6260711" y="5120535"/>
+            <a:ext cx="791619" cy="162123"/>
           </a:xfrm>
           <a:prstGeom prst="straightConnector1">
             <a:avLst/>
@@ -4706,7 +4706,7 @@
         </p:nvSpPr>
         <p:spPr>
           <a:xfrm>
-            <a:off x="5288924" y="4500214"/>
+            <a:off x="4848328" y="5097992"/>
             <a:ext cx="1412383" cy="369332"/>
           </a:xfrm>
           <a:prstGeom prst="rect">
@@ -4749,7 +4749,7 @@
         </p:nvSpPr>
         <p:spPr>
           <a:xfrm>
-            <a:off x="9565556" y="5602831"/>
+            <a:off x="9565556" y="6201923"/>
             <a:ext cx="1508101" cy="646331"/>
           </a:xfrm>
           <a:prstGeom prst="rect">
@@ -4789,7 +4789,7 @@
         </p:nvCxnSpPr>
         <p:spPr>
           <a:xfrm>
-            <a:off x="10809144" y="3696165"/>
+            <a:off x="10809144" y="4295257"/>
             <a:ext cx="1716156" cy="825277"/>
           </a:xfrm>
           <a:prstGeom prst="straightConnector1">
@@ -4836,9 +4836,9 @@
           <p:nvPr/>
         </p:nvCxnSpPr>
         <p:spPr>
-          <a:xfrm flipV="1">
-            <a:off x="5050620" y="1221528"/>
-            <a:ext cx="1020653" cy="73466"/>
+          <a:xfrm>
+            <a:off x="5064075" y="1636569"/>
+            <a:ext cx="1007198" cy="184051"/>
           </a:xfrm>
           <a:prstGeom prst="straightConnector1">
             <a:avLst/>
@@ -4885,8 +4885,8 @@
         </p:nvCxnSpPr>
         <p:spPr>
           <a:xfrm flipH="1">
-            <a:off x="6564484" y="4776151"/>
-            <a:ext cx="1194037" cy="923419"/>
+            <a:off x="6963227" y="5375243"/>
+            <a:ext cx="795294" cy="949148"/>
           </a:xfrm>
           <a:prstGeom prst="straightConnector1">
             <a:avLst/>
@@ -4932,9 +4932,9 @@
           <p:nvPr/>
         </p:nvCxnSpPr>
         <p:spPr>
-          <a:xfrm>
-            <a:off x="12525300" y="5167774"/>
-            <a:ext cx="338477" cy="579869"/>
+          <a:xfrm flipH="1">
+            <a:off x="10899108" y="5766866"/>
+            <a:ext cx="1626192" cy="1385254"/>
           </a:xfrm>
           <a:prstGeom prst="straightConnector1">
             <a:avLst/>
@@ -4980,9 +4980,9 @@
           <p:nvPr/>
         </p:nvCxnSpPr>
         <p:spPr>
-          <a:xfrm flipH="1">
-            <a:off x="6456852" y="6141101"/>
-            <a:ext cx="107632" cy="814027"/>
+          <a:xfrm>
+            <a:off x="6963227" y="6765922"/>
+            <a:ext cx="22440" cy="629505"/>
           </a:xfrm>
           <a:prstGeom prst="straightConnector1">
             <a:avLst/>
@@ -5029,7 +5029,7 @@
         </p:nvCxnSpPr>
         <p:spPr>
           <a:xfrm>
-            <a:off x="5955044" y="8856558"/>
+            <a:off x="6996634" y="9046359"/>
             <a:ext cx="0" cy="513710"/>
           </a:xfrm>
           <a:prstGeom prst="straightConnector1">
@@ -5077,8 +5077,8 @@
         </p:nvCxnSpPr>
         <p:spPr>
           <a:xfrm flipH="1">
-            <a:off x="8337935" y="1575769"/>
-            <a:ext cx="1958382" cy="1346449"/>
+            <a:off x="8337935" y="2559505"/>
+            <a:ext cx="1704967" cy="961805"/>
           </a:xfrm>
           <a:prstGeom prst="straightConnector1">
             <a:avLst/>
@@ -5125,8 +5125,8 @@
         </p:nvCxnSpPr>
         <p:spPr>
           <a:xfrm>
-            <a:off x="10296317" y="1575769"/>
-            <a:ext cx="777340" cy="656085"/>
+            <a:off x="10042902" y="2559505"/>
+            <a:ext cx="1157894" cy="587285"/>
           </a:xfrm>
           <a:prstGeom prst="straightConnector1">
             <a:avLst/>
@@ -5168,7 +5168,7 @@
         </p:nvSpPr>
         <p:spPr>
           <a:xfrm>
-            <a:off x="11073657" y="1881630"/>
+            <a:off x="11200796" y="2796566"/>
             <a:ext cx="1742727" cy="700448"/>
           </a:xfrm>
           <a:prstGeom prst="rect">
@@ -5208,8 +5208,8 @@
         </p:nvCxnSpPr>
         <p:spPr>
           <a:xfrm flipH="1">
-            <a:off x="5093711" y="5920336"/>
-            <a:ext cx="677490" cy="403428"/>
+            <a:off x="5093711" y="6545157"/>
+            <a:ext cx="1076233" cy="377699"/>
           </a:xfrm>
           <a:prstGeom prst="straightConnector1">
             <a:avLst/>
@@ -5251,7 +5251,7 @@
         </p:nvSpPr>
         <p:spPr>
           <a:xfrm>
-            <a:off x="315858" y="8063332"/>
+            <a:off x="719936" y="8791650"/>
             <a:ext cx="1853040" cy="700448"/>
           </a:xfrm>
           <a:prstGeom prst="rect">
@@ -5297,9 +5297,9 @@
           <p:nvPr/>
         </p:nvCxnSpPr>
         <p:spPr>
-          <a:xfrm flipH="1">
-            <a:off x="5955044" y="7464545"/>
-            <a:ext cx="501808" cy="882596"/>
+          <a:xfrm>
+            <a:off x="6985667" y="7904844"/>
+            <a:ext cx="10967" cy="632098"/>
           </a:xfrm>
           <a:prstGeom prst="straightConnector1">
             <a:avLst/>
@@ -5342,7 +5342,7 @@
         </p:nvSpPr>
         <p:spPr>
           <a:xfrm>
-            <a:off x="3700882" y="6069055"/>
+            <a:off x="3700882" y="6668147"/>
             <a:ext cx="1392829" cy="509417"/>
           </a:xfrm>
           <a:prstGeom prst="rect">
@@ -5405,8 +5405,8 @@
         </p:nvCxnSpPr>
         <p:spPr>
           <a:xfrm flipH="1">
-            <a:off x="3083302" y="8601850"/>
-            <a:ext cx="2165551" cy="974154"/>
+            <a:off x="3083302" y="8791651"/>
+            <a:ext cx="3207141" cy="1383445"/>
           </a:xfrm>
           <a:prstGeom prst="straightConnector1">
             <a:avLst/>
@@ -5452,8 +5452,8 @@
         </p:nvCxnSpPr>
         <p:spPr>
           <a:xfrm>
-            <a:off x="7287086" y="7209837"/>
-            <a:ext cx="670234" cy="717088"/>
+            <a:off x="7815901" y="7650136"/>
+            <a:ext cx="1322905" cy="671875"/>
           </a:xfrm>
           <a:prstGeom prst="straightConnector1">
             <a:avLst/>
@@ -5495,7 +5495,7 @@
         </p:nvSpPr>
         <p:spPr>
           <a:xfrm>
-            <a:off x="7053225" y="7926925"/>
+            <a:off x="8234711" y="8322011"/>
             <a:ext cx="1808190" cy="700448"/>
           </a:xfrm>
           <a:prstGeom prst="rect">
@@ -5538,7 +5538,7 @@
         </p:nvSpPr>
         <p:spPr>
           <a:xfrm>
-            <a:off x="1006658" y="7014696"/>
+            <a:off x="1159661" y="7462410"/>
             <a:ext cx="1995936" cy="586234"/>
           </a:xfrm>
           <a:prstGeom prst="rect">
@@ -5597,7 +5597,7 @@
         </p:nvSpPr>
         <p:spPr>
           <a:xfrm>
-            <a:off x="6244580" y="11285899"/>
+            <a:off x="7029498" y="11475700"/>
             <a:ext cx="1412382" cy="509417"/>
           </a:xfrm>
           <a:prstGeom prst="rect">
@@ -5660,8 +5660,8 @@
         </p:nvCxnSpPr>
         <p:spPr>
           <a:xfrm>
-            <a:off x="5955044" y="9879685"/>
-            <a:ext cx="938531" cy="520141"/>
+            <a:off x="6996634" y="10069486"/>
+            <a:ext cx="498420" cy="461574"/>
           </a:xfrm>
           <a:prstGeom prst="straightConnector1">
             <a:avLst/>
@@ -5707,8 +5707,8 @@
         </p:nvCxnSpPr>
         <p:spPr>
           <a:xfrm>
-            <a:off x="2004626" y="7600930"/>
-            <a:ext cx="1018394" cy="556667"/>
+            <a:off x="2157629" y="8048644"/>
+            <a:ext cx="1310514" cy="708045"/>
           </a:xfrm>
           <a:prstGeom prst="straightConnector1">
             <a:avLst/>
@@ -5755,8 +5755,8 @@
         </p:nvCxnSpPr>
         <p:spPr>
           <a:xfrm flipH="1">
-            <a:off x="1242378" y="7600930"/>
-            <a:ext cx="762248" cy="462402"/>
+            <a:off x="1646456" y="8048644"/>
+            <a:ext cx="511173" cy="743006"/>
           </a:xfrm>
           <a:prstGeom prst="straightConnector1">
             <a:avLst/>
@@ -5798,7 +5798,7 @@
         </p:nvSpPr>
         <p:spPr>
           <a:xfrm>
-            <a:off x="6187384" y="10399826"/>
+            <a:off x="6788863" y="10531060"/>
             <a:ext cx="1412382" cy="509417"/>
           </a:xfrm>
           <a:prstGeom prst="rect">
@@ -5861,8 +5861,8 @@
         </p:nvCxnSpPr>
         <p:spPr>
           <a:xfrm flipH="1">
-            <a:off x="3002594" y="6323764"/>
-            <a:ext cx="698288" cy="984049"/>
+            <a:off x="3155597" y="6922856"/>
+            <a:ext cx="545285" cy="832671"/>
           </a:xfrm>
           <a:prstGeom prst="straightConnector1">
             <a:avLst/>
@@ -5907,9 +5907,9 @@
           <p:nvPr/>
         </p:nvCxnSpPr>
         <p:spPr>
-          <a:xfrm flipH="1">
-            <a:off x="5650992" y="10654535"/>
-            <a:ext cx="536393" cy="13529"/>
+          <a:xfrm flipH="1" flipV="1">
+            <a:off x="6275468" y="10767862"/>
+            <a:ext cx="513395" cy="17907"/>
           </a:xfrm>
           <a:prstGeom prst="straightConnector1">
             <a:avLst/>
@@ -5951,7 +5951,7 @@
         </p:nvSpPr>
         <p:spPr>
           <a:xfrm>
-            <a:off x="3585065" y="7315968"/>
+            <a:off x="3651617" y="7556157"/>
             <a:ext cx="1950396" cy="646331"/>
           </a:xfrm>
           <a:prstGeom prst="rect">
@@ -5994,8 +5994,8 @@
         </p:nvSpPr>
         <p:spPr>
           <a:xfrm>
-            <a:off x="11129832" y="6621862"/>
-            <a:ext cx="1117499" cy="424580"/>
+            <a:off x="11957874" y="6607623"/>
+            <a:ext cx="1536432" cy="552263"/>
           </a:xfrm>
           <a:prstGeom prst="rect">
             <a:avLst/>
@@ -6034,7 +6034,7 @@
                   <a:schemeClr val="tx1"/>
                 </a:solidFill>
               </a:rPr>
-              <a:t>Building</a:t>
+              <a:t>Building or Structure</a:t>
             </a:r>
           </a:p>
         </p:txBody>
@@ -6053,7 +6053,7 @@
         </p:nvSpPr>
         <p:spPr>
           <a:xfrm>
-            <a:off x="12007570" y="5747643"/>
+            <a:off x="10042901" y="7152120"/>
             <a:ext cx="1712414" cy="646331"/>
           </a:xfrm>
           <a:prstGeom prst="rect">
@@ -6092,9 +6092,9 @@
           <p:nvPr/>
         </p:nvCxnSpPr>
         <p:spPr>
-          <a:xfrm flipH="1">
-            <a:off x="11688582" y="5167774"/>
-            <a:ext cx="836718" cy="1454088"/>
+          <a:xfrm>
+            <a:off x="12525300" y="5766866"/>
+            <a:ext cx="200790" cy="840757"/>
           </a:xfrm>
           <a:prstGeom prst="straightConnector1">
             <a:avLst/>
@@ -6136,8 +6136,8 @@
         </p:nvSpPr>
         <p:spPr>
           <a:xfrm>
-            <a:off x="11167680" y="7482872"/>
-            <a:ext cx="1117499" cy="396391"/>
+            <a:off x="12022354" y="7714038"/>
+            <a:ext cx="1374678" cy="646331"/>
           </a:xfrm>
           <a:prstGeom prst="rect">
             <a:avLst/>
@@ -6153,7 +6153,7 @@
             <a:pPr algn="ctr"/>
             <a:r>
               <a:rPr lang="en-US" b="1" dirty="0"/>
-              <a:t>Building</a:t>
+              <a:t>Building or Structure</a:t>
             </a:r>
           </a:p>
         </p:txBody>
@@ -6175,9 +6175,9 @@
           <p:nvPr/>
         </p:nvCxnSpPr>
         <p:spPr>
-          <a:xfrm>
-            <a:off x="11688582" y="7046442"/>
-            <a:ext cx="37848" cy="436430"/>
+          <a:xfrm flipH="1">
+            <a:off x="12709693" y="7159886"/>
+            <a:ext cx="16397" cy="554152"/>
           </a:xfrm>
           <a:prstGeom prst="straightConnector1">
             <a:avLst/>
@@ -6219,7 +6219,7 @@
         </p:nvSpPr>
         <p:spPr>
           <a:xfrm>
-            <a:off x="2118925" y="8157597"/>
+            <a:off x="2564048" y="8756689"/>
             <a:ext cx="1808190" cy="646331"/>
           </a:xfrm>
           <a:prstGeom prst="rect">
@@ -6266,8 +6266,8 @@
         </p:nvCxnSpPr>
         <p:spPr>
           <a:xfrm>
-            <a:off x="4397297" y="6578472"/>
-            <a:ext cx="162966" cy="737496"/>
+            <a:off x="4397297" y="7177564"/>
+            <a:ext cx="229518" cy="378593"/>
           </a:xfrm>
           <a:prstGeom prst="straightConnector1">
             <a:avLst/>
@@ -6310,7 +6310,7 @@
         </p:nvSpPr>
         <p:spPr>
           <a:xfrm>
-            <a:off x="1087366" y="9282887"/>
+            <a:off x="1087366" y="9881979"/>
             <a:ext cx="1995936" cy="586234"/>
           </a:xfrm>
           <a:prstGeom prst="rect">
@@ -6369,7 +6369,7 @@
         </p:nvSpPr>
         <p:spPr>
           <a:xfrm>
-            <a:off x="163235" y="10216879"/>
+            <a:off x="163235" y="10815971"/>
             <a:ext cx="1853040" cy="700448"/>
           </a:xfrm>
           <a:prstGeom prst="rect">
@@ -6416,8 +6416,8 @@
         </p:nvCxnSpPr>
         <p:spPr>
           <a:xfrm>
-            <a:off x="2085334" y="9869121"/>
-            <a:ext cx="667828" cy="335462"/>
+            <a:off x="2085334" y="10468213"/>
+            <a:ext cx="1317010" cy="462071"/>
           </a:xfrm>
           <a:prstGeom prst="straightConnector1">
             <a:avLst/>
@@ -6464,7 +6464,7 @@
         </p:nvCxnSpPr>
         <p:spPr>
           <a:xfrm flipH="1">
-            <a:off x="1089756" y="9869121"/>
+            <a:off x="1089756" y="10468213"/>
             <a:ext cx="995579" cy="347758"/>
           </a:xfrm>
           <a:prstGeom prst="straightConnector1">
@@ -6507,7 +6507,7 @@
         </p:nvSpPr>
         <p:spPr>
           <a:xfrm>
-            <a:off x="2117721" y="10204583"/>
+            <a:off x="2766903" y="10930284"/>
             <a:ext cx="1270882" cy="646331"/>
           </a:xfrm>
           <a:prstGeom prst="rect">
@@ -6550,8 +6550,8 @@
         </p:nvSpPr>
         <p:spPr>
           <a:xfrm>
-            <a:off x="6285552" y="12257696"/>
-            <a:ext cx="1412382" cy="509417"/>
+            <a:off x="6931532" y="12428969"/>
+            <a:ext cx="2121658" cy="509417"/>
           </a:xfrm>
           <a:prstGeom prst="rect">
             <a:avLst/>
@@ -6590,7 +6590,7 @@
                   <a:schemeClr val="tx1"/>
                 </a:solidFill>
               </a:rPr>
-              <a:t>Regolith or soil horizon</a:t>
+              <a:t>Regolith, sediment, or soil horizon</a:t>
             </a:r>
           </a:p>
         </p:txBody>
@@ -6613,8 +6613,8 @@
         </p:nvCxnSpPr>
         <p:spPr>
           <a:xfrm>
-            <a:off x="6881564" y="9624977"/>
-            <a:ext cx="3151715" cy="1559793"/>
+            <a:off x="7923154" y="9814778"/>
+            <a:ext cx="3427831" cy="600082"/>
           </a:xfrm>
           <a:prstGeom prst="straightConnector1">
             <a:avLst/>
@@ -6657,7 +6657,7 @@
         </p:nvSpPr>
         <p:spPr>
           <a:xfrm>
-            <a:off x="10033279" y="10834546"/>
+            <a:off x="11350985" y="10064636"/>
             <a:ext cx="1655303" cy="700448"/>
           </a:xfrm>
           <a:prstGeom prst="rect">
@@ -6697,8 +6697,8 @@
         </p:nvCxnSpPr>
         <p:spPr>
           <a:xfrm>
-            <a:off x="6893575" y="10909242"/>
-            <a:ext cx="57196" cy="376656"/>
+            <a:off x="7495054" y="11040477"/>
+            <a:ext cx="240635" cy="435223"/>
           </a:xfrm>
           <a:prstGeom prst="straightConnector1">
             <a:avLst/>
@@ -6745,8 +6745,8 @@
         </p:nvCxnSpPr>
         <p:spPr>
           <a:xfrm>
-            <a:off x="6950771" y="11795315"/>
-            <a:ext cx="40972" cy="462380"/>
+            <a:off x="7735689" y="11985117"/>
+            <a:ext cx="256672" cy="443852"/>
           </a:xfrm>
           <a:prstGeom prst="straightConnector1">
             <a:avLst/>
@@ -6793,8 +6793,8 @@
         </p:nvCxnSpPr>
         <p:spPr>
           <a:xfrm flipV="1">
-            <a:off x="7697934" y="11184770"/>
-            <a:ext cx="2335344" cy="1327634"/>
+            <a:off x="9053190" y="10414860"/>
+            <a:ext cx="2297795" cy="2268818"/>
           </a:xfrm>
           <a:prstGeom prst="straightConnector1">
             <a:avLst/>
@@ -6837,8 +6837,8 @@
         </p:nvSpPr>
         <p:spPr>
           <a:xfrm>
-            <a:off x="3797951" y="10469868"/>
-            <a:ext cx="1853040" cy="396391"/>
+            <a:off x="4422428" y="10583196"/>
+            <a:ext cx="1853040" cy="369332"/>
           </a:xfrm>
           <a:prstGeom prst="rect">
             <a:avLst/>
@@ -6883,9 +6883,9 @@
           <p:nvPr/>
         </p:nvCxnSpPr>
         <p:spPr>
-          <a:xfrm flipH="1">
-            <a:off x="5637240" y="11540607"/>
-            <a:ext cx="607340" cy="12002"/>
+          <a:xfrm flipH="1" flipV="1">
+            <a:off x="6457744" y="11699980"/>
+            <a:ext cx="571754" cy="30429"/>
           </a:xfrm>
           <a:prstGeom prst="straightConnector1">
             <a:avLst/>
@@ -6927,8 +6927,8 @@
         </p:nvSpPr>
         <p:spPr>
           <a:xfrm>
-            <a:off x="3784200" y="11354414"/>
-            <a:ext cx="1853040" cy="396391"/>
+            <a:off x="5283731" y="11515314"/>
+            <a:ext cx="1174013" cy="369332"/>
           </a:xfrm>
           <a:prstGeom prst="rect">
             <a:avLst/>
@@ -6974,8 +6974,8 @@
         </p:nvCxnSpPr>
         <p:spPr>
           <a:xfrm flipH="1">
-            <a:off x="5569868" y="12512404"/>
-            <a:ext cx="715684" cy="13530"/>
+            <a:off x="6401118" y="12683678"/>
+            <a:ext cx="530414" cy="14425"/>
           </a:xfrm>
           <a:prstGeom prst="straightConnector1">
             <a:avLst/>
@@ -7017,8 +7017,8 @@
         </p:nvSpPr>
         <p:spPr>
           <a:xfrm>
-            <a:off x="3716828" y="12327739"/>
-            <a:ext cx="1853040" cy="396391"/>
+            <a:off x="4548078" y="12374937"/>
+            <a:ext cx="1853040" cy="646331"/>
           </a:xfrm>
           <a:prstGeom prst="rect">
             <a:avLst/>
@@ -7041,7 +7041,7 @@
             <a:pPr algn="ctr"/>
             <a:r>
               <a:rPr lang="en-US" dirty="0"/>
-              <a:t>Regolith or Soil</a:t>
+              <a:t>Regolith, Sediment, or Soil</a:t>
             </a:r>
           </a:p>
         </p:txBody>
@@ -7060,7 +7060,7 @@
         </p:nvSpPr>
         <p:spPr>
           <a:xfrm>
-            <a:off x="6071273" y="760525"/>
+            <a:off x="6071273" y="1359617"/>
             <a:ext cx="1967318" cy="922005"/>
           </a:xfrm>
           <a:prstGeom prst="rect">
@@ -7119,7 +7119,7 @@
         </p:nvSpPr>
         <p:spPr>
           <a:xfrm>
-            <a:off x="6071806" y="2262938"/>
+            <a:off x="6071806" y="2862030"/>
             <a:ext cx="1967318" cy="369332"/>
           </a:xfrm>
           <a:prstGeom prst="rect">
@@ -7159,7 +7159,7 @@
         </p:nvCxnSpPr>
         <p:spPr>
           <a:xfrm>
-            <a:off x="7054932" y="1682530"/>
+            <a:off x="7054932" y="2281622"/>
             <a:ext cx="533" cy="580408"/>
           </a:xfrm>
           <a:prstGeom prst="straightConnector1">
@@ -7206,8 +7206,8 @@
         </p:nvCxnSpPr>
         <p:spPr>
           <a:xfrm>
-            <a:off x="8038591" y="1221528"/>
-            <a:ext cx="1386362" cy="47133"/>
+            <a:off x="8038591" y="1820620"/>
+            <a:ext cx="1132947" cy="431777"/>
           </a:xfrm>
           <a:prstGeom prst="straightConnector1">
             <a:avLst/>
@@ -7250,8 +7250,8 @@
         </p:nvSpPr>
         <p:spPr>
           <a:xfrm>
-            <a:off x="5856550" y="468572"/>
-            <a:ext cx="3106622" cy="246221"/>
+            <a:off x="7228974" y="2360486"/>
+            <a:ext cx="1656908" cy="553998"/>
           </a:xfrm>
           <a:prstGeom prst="rect">
             <a:avLst/>
@@ -7266,7 +7266,7 @@
           <a:p>
             <a:r>
               <a:rPr lang="en-US" sz="1000" dirty="0"/>
-              <a:t>e.g. bird nest, egg, cocoon, fecal matter, dung ball, </a:t>
+              <a:t>e.g. bird nest, egg, cocoon, fecal matter, dung ball, Tooth, Shell</a:t>
             </a:r>
           </a:p>
         </p:txBody>
@@ -7285,7 +7285,7 @@
         </p:nvSpPr>
         <p:spPr>
           <a:xfrm>
-            <a:off x="10410353" y="5333677"/>
+            <a:off x="9809682" y="6798215"/>
             <a:ext cx="872510" cy="246221"/>
           </a:xfrm>
           <a:prstGeom prst="rect">
@@ -7320,8 +7320,8 @@
         </p:nvSpPr>
         <p:spPr>
           <a:xfrm>
-            <a:off x="4002054" y="5089083"/>
-            <a:ext cx="2422255" cy="553998"/>
+            <a:off x="4306178" y="5516970"/>
+            <a:ext cx="2422255" cy="861774"/>
           </a:xfrm>
           <a:prstGeom prst="rect">
             <a:avLst/>
@@ -7336,7 +7336,7 @@
           <a:p>
             <a:r>
               <a:rPr lang="en-US" sz="1000" dirty="0"/>
-              <a:t>Samples things at boundary between solid earth and  hydrosphere or atmosphere; soil is considered part of solid earth</a:t>
+              <a:t>Samples things at boundary between solid earth and hydrosphere or atmosphere; Includes samples representing things collected on the surface; Include soil ‘O’ horizon and ‘biomantle’</a:t>
             </a:r>
           </a:p>
         </p:txBody>
@@ -7357,7 +7357,7 @@
         </p:nvCxnSpPr>
         <p:spPr>
           <a:xfrm>
-            <a:off x="755102" y="11791987"/>
+            <a:off x="11723889" y="1114671"/>
             <a:ext cx="1146886" cy="31850"/>
           </a:xfrm>
           <a:prstGeom prst="straightConnector1">
@@ -7403,7 +7403,7 @@
         </p:nvCxnSpPr>
         <p:spPr>
           <a:xfrm>
-            <a:off x="898096" y="11346247"/>
+            <a:off x="11866883" y="668931"/>
             <a:ext cx="860899" cy="5799"/>
           </a:xfrm>
           <a:prstGeom prst="straightConnector1">
@@ -7446,7 +7446,7 @@
         </p:nvSpPr>
         <p:spPr>
           <a:xfrm>
-            <a:off x="1022977" y="10926271"/>
+            <a:off x="11991764" y="248955"/>
             <a:ext cx="485518" cy="369332"/>
           </a:xfrm>
           <a:prstGeom prst="rect">
@@ -7481,7 +7481,7 @@
         </p:nvSpPr>
         <p:spPr>
           <a:xfrm>
-            <a:off x="1085785" y="11472900"/>
+            <a:off x="12054572" y="795584"/>
             <a:ext cx="455574" cy="369332"/>
           </a:xfrm>
           <a:prstGeom prst="rect">
@@ -7516,8 +7516,8 @@
         </p:nvSpPr>
         <p:spPr>
           <a:xfrm>
-            <a:off x="8795891" y="12200463"/>
-            <a:ext cx="4419167" cy="1200329"/>
+            <a:off x="814961" y="13074013"/>
+            <a:ext cx="11538715" cy="646331"/>
           </a:xfrm>
           <a:prstGeom prst="rect">
             <a:avLst/>
@@ -7563,7 +7563,7 @@
         </p:nvSpPr>
         <p:spPr>
           <a:xfrm>
-            <a:off x="9153575" y="4582568"/>
+            <a:off x="9153575" y="5181660"/>
             <a:ext cx="1276397" cy="646332"/>
           </a:xfrm>
           <a:prstGeom prst="rect">
@@ -7626,7 +7626,7 @@
         </p:nvCxnSpPr>
         <p:spPr>
           <a:xfrm>
-            <a:off x="9791774" y="5228900"/>
+            <a:off x="9791774" y="5827992"/>
             <a:ext cx="527833" cy="373931"/>
           </a:xfrm>
           <a:prstGeom prst="straightConnector1">
@@ -7670,7 +7670,7 @@
         </p:nvSpPr>
         <p:spPr>
           <a:xfrm>
-            <a:off x="7957320" y="5920336"/>
+            <a:off x="8259213" y="6252132"/>
             <a:ext cx="1366813" cy="646331"/>
           </a:xfrm>
           <a:prstGeom prst="rect">
@@ -7710,8 +7710,8 @@
         </p:nvCxnSpPr>
         <p:spPr>
           <a:xfrm flipH="1">
-            <a:off x="8640727" y="5228900"/>
-            <a:ext cx="1151047" cy="691436"/>
+            <a:off x="8942620" y="5827992"/>
+            <a:ext cx="849154" cy="424140"/>
           </a:xfrm>
           <a:prstGeom prst="straightConnector1">
             <a:avLst/>
@@ -7739,6 +7739,530 @@
           </a:fontRef>
         </p:style>
       </p:cxnSp>
+      <p:sp>
+        <p:nvSpPr>
+          <p:cNvPr id="115" name="TextBox 114">
+            <a:extLst>
+              <a:ext uri="{FF2B5EF4-FFF2-40B4-BE49-F238E27FC236}">
+                <a16:creationId xmlns:a16="http://schemas.microsoft.com/office/drawing/2014/main" id="{065E947E-76BA-4DB4-973E-A5049E1B341C}"/>
+              </a:ext>
+            </a:extLst>
+          </p:cNvPr>
+          <p:cNvSpPr txBox="1"/>
+          <p:nvPr/>
+        </p:nvSpPr>
+        <p:spPr>
+          <a:xfrm>
+            <a:off x="2668790" y="322682"/>
+            <a:ext cx="6070733" cy="738664"/>
+          </a:xfrm>
+          <a:prstGeom prst="rect">
+            <a:avLst/>
+          </a:prstGeom>
+          <a:noFill/>
+        </p:spPr>
+        <p:txBody>
+          <a:bodyPr wrap="square" rtlCol="0">
+            <a:spAutoFit/>
+          </a:bodyPr>
+          <a:lstStyle/>
+          <a:p>
+            <a:r>
+              <a:rPr lang="en-US" sz="1400" dirty="0"/>
+              <a:t>NOTE: This categorization is intentional– what  was the sample collected originally to represent?  Recognizing that the sample might actually have multiple contexts of interest not recognized at initial collection. </a:t>
+            </a:r>
+          </a:p>
+        </p:txBody>
+      </p:sp>
+      <p:sp>
+        <p:nvSpPr>
+          <p:cNvPr id="31" name="Rectangle 30">
+            <a:extLst>
+              <a:ext uri="{FF2B5EF4-FFF2-40B4-BE49-F238E27FC236}">
+                <a16:creationId xmlns:a16="http://schemas.microsoft.com/office/drawing/2014/main" id="{F8E43A58-928B-402C-9BD4-8178B3E432A6}"/>
+              </a:ext>
+            </a:extLst>
+          </p:cNvPr>
+          <p:cNvSpPr/>
+          <p:nvPr/>
+        </p:nvSpPr>
+        <p:spPr>
+          <a:xfrm>
+            <a:off x="11423466" y="220214"/>
+            <a:ext cx="1723425" cy="1348453"/>
+          </a:xfrm>
+          <a:prstGeom prst="rect">
+            <a:avLst/>
+          </a:prstGeom>
+          <a:noFill/>
+        </p:spPr>
+        <p:style>
+          <a:lnRef idx="2">
+            <a:schemeClr val="accent1">
+              <a:shade val="50000"/>
+            </a:schemeClr>
+          </a:lnRef>
+          <a:fillRef idx="1">
+            <a:schemeClr val="accent1"/>
+          </a:fillRef>
+          <a:effectRef idx="0">
+            <a:schemeClr val="accent1"/>
+          </a:effectRef>
+          <a:fontRef idx="minor">
+            <a:schemeClr val="lt1"/>
+          </a:fontRef>
+        </p:style>
+        <p:txBody>
+          <a:bodyPr rtlCol="0" anchor="ctr"/>
+          <a:lstStyle/>
+          <a:p>
+            <a:pPr algn="ctr"/>
+            <a:endParaRPr lang="en-US"/>
+          </a:p>
+        </p:txBody>
+      </p:sp>
+      <p:sp>
+        <p:nvSpPr>
+          <p:cNvPr id="129" name="TextBox 128">
+            <a:extLst>
+              <a:ext uri="{FF2B5EF4-FFF2-40B4-BE49-F238E27FC236}">
+                <a16:creationId xmlns:a16="http://schemas.microsoft.com/office/drawing/2014/main" id="{34D6F04A-46C9-43C5-9412-0CFE44EF9A60}"/>
+              </a:ext>
+            </a:extLst>
+          </p:cNvPr>
+          <p:cNvSpPr txBox="1"/>
+          <p:nvPr/>
+        </p:nvSpPr>
+        <p:spPr>
+          <a:xfrm>
+            <a:off x="10014389" y="7760205"/>
+            <a:ext cx="1808190" cy="553998"/>
+          </a:xfrm>
+          <a:prstGeom prst="rect">
+            <a:avLst/>
+          </a:prstGeom>
+          <a:noFill/>
+        </p:spPr>
+        <p:txBody>
+          <a:bodyPr wrap="square" rtlCol="0">
+            <a:spAutoFit/>
+          </a:bodyPr>
+          <a:lstStyle/>
+          <a:p>
+            <a:r>
+              <a:rPr lang="en-US" sz="1000" dirty="0"/>
+              <a:t>A place where humans have been and left evidence of their activity</a:t>
+            </a:r>
+          </a:p>
+        </p:txBody>
+      </p:sp>
+      <p:sp>
+        <p:nvSpPr>
+          <p:cNvPr id="130" name="TextBox 129">
+            <a:extLst>
+              <a:ext uri="{FF2B5EF4-FFF2-40B4-BE49-F238E27FC236}">
+                <a16:creationId xmlns:a16="http://schemas.microsoft.com/office/drawing/2014/main" id="{09D76C48-7E5A-41B0-BE90-A2FBEDA4AA33}"/>
+              </a:ext>
+            </a:extLst>
+          </p:cNvPr>
+          <p:cNvSpPr txBox="1"/>
+          <p:nvPr/>
+        </p:nvSpPr>
+        <p:spPr>
+          <a:xfrm>
+            <a:off x="11540562" y="8317376"/>
+            <a:ext cx="2165191" cy="1169551"/>
+          </a:xfrm>
+          <a:prstGeom prst="rect">
+            <a:avLst/>
+          </a:prstGeom>
+          <a:noFill/>
+        </p:spPr>
+        <p:txBody>
+          <a:bodyPr wrap="square" rtlCol="0">
+            <a:spAutoFit/>
+          </a:bodyPr>
+          <a:lstStyle/>
+          <a:p>
+            <a:r>
+              <a:rPr lang="en-US" sz="1000" dirty="0">
+                <a:latin typeface="Arial" panose="020B0604020202020204" pitchFamily="34" charset="0"/>
+                <a:cs typeface="Arial" panose="020B0604020202020204" pitchFamily="34" charset="0"/>
+              </a:rPr>
+              <a:t>A structure is </a:t>
+            </a:r>
+            <a:r>
+              <a:rPr lang="en-US" sz="1000" b="0" i="0" dirty="0">
+                <a:solidFill>
+                  <a:srgbClr val="202122"/>
+                </a:solidFill>
+                <a:effectLst/>
+                <a:latin typeface="Arial" panose="020B0604020202020204" pitchFamily="34" charset="0"/>
+                <a:cs typeface="Arial" panose="020B0604020202020204" pitchFamily="34" charset="0"/>
+              </a:rPr>
+              <a:t>body </a:t>
+            </a:r>
+            <a:r>
+              <a:rPr lang="en-US" sz="1000" b="0" i="0" dirty="0">
+                <a:solidFill>
+                  <a:srgbClr val="202122"/>
+                </a:solidFill>
+                <a:effectLst/>
+                <a:latin typeface="Arial" panose="020B0604020202020204" pitchFamily="34" charset="0"/>
+              </a:rPr>
+              <a:t>or system of connected parts used to support a load that was not designed for continuous human </a:t>
+            </a:r>
+            <a:r>
+              <a:rPr lang="en-US" sz="1000" b="0" i="0" u="none" strike="noStrike" dirty="0">
+                <a:solidFill>
+                  <a:srgbClr val="0645AD"/>
+                </a:solidFill>
+                <a:effectLst/>
+                <a:latin typeface="Arial" panose="020B0604020202020204" pitchFamily="34" charset="0"/>
+                <a:hlinkClick r:id="rId2" tooltip="Occupancy"/>
+              </a:rPr>
+              <a:t>occupancy</a:t>
+            </a:r>
+            <a:r>
+              <a:rPr lang="en-US" sz="1000" b="0" i="0" dirty="0">
+                <a:solidFill>
+                  <a:srgbClr val="202122"/>
+                </a:solidFill>
+                <a:effectLst/>
+                <a:latin typeface="Arial" panose="020B0604020202020204" pitchFamily="34" charset="0"/>
+              </a:rPr>
+              <a:t>. A </a:t>
+            </a:r>
+            <a:r>
+              <a:rPr lang="en-US" sz="1000" b="1" i="0" dirty="0">
+                <a:solidFill>
+                  <a:srgbClr val="202122"/>
+                </a:solidFill>
+                <a:effectLst/>
+                <a:latin typeface="Arial" panose="020B0604020202020204" pitchFamily="34" charset="0"/>
+              </a:rPr>
+              <a:t>building</a:t>
+            </a:r>
+            <a:r>
+              <a:rPr lang="en-US" sz="1000" b="0" i="0" dirty="0">
+                <a:solidFill>
+                  <a:srgbClr val="202122"/>
+                </a:solidFill>
+                <a:effectLst/>
+                <a:latin typeface="Arial" panose="020B0604020202020204" pitchFamily="34" charset="0"/>
+              </a:rPr>
+              <a:t>  is a </a:t>
+            </a:r>
+            <a:r>
+              <a:rPr lang="en-US" sz="1000" b="0" i="0" u="none" strike="noStrike" dirty="0">
+                <a:solidFill>
+                  <a:srgbClr val="0645AD"/>
+                </a:solidFill>
+                <a:effectLst/>
+                <a:latin typeface="Arial" panose="020B0604020202020204" pitchFamily="34" charset="0"/>
+                <a:hlinkClick r:id="rId3" tooltip="Structure"/>
+              </a:rPr>
+              <a:t>structure</a:t>
+            </a:r>
+            <a:r>
+              <a:rPr lang="en-US" sz="1000" b="0" i="0" dirty="0">
+                <a:solidFill>
+                  <a:srgbClr val="202122"/>
+                </a:solidFill>
+                <a:effectLst/>
+                <a:latin typeface="Arial" panose="020B0604020202020204" pitchFamily="34" charset="0"/>
+              </a:rPr>
+              <a:t> with a </a:t>
+            </a:r>
+            <a:r>
+              <a:rPr lang="en-US" sz="1000" b="0" i="0" u="none" strike="noStrike" dirty="0">
+                <a:solidFill>
+                  <a:srgbClr val="0645AD"/>
+                </a:solidFill>
+                <a:effectLst/>
+                <a:latin typeface="Arial" panose="020B0604020202020204" pitchFamily="34" charset="0"/>
+                <a:hlinkClick r:id="rId4" tooltip="Roof"/>
+              </a:rPr>
+              <a:t>roof</a:t>
+            </a:r>
+            <a:r>
+              <a:rPr lang="en-US" sz="1000" b="0" i="0" dirty="0">
+                <a:solidFill>
+                  <a:srgbClr val="202122"/>
+                </a:solidFill>
+                <a:effectLst/>
+                <a:latin typeface="Arial" panose="020B0604020202020204" pitchFamily="34" charset="0"/>
+              </a:rPr>
+              <a:t> and</a:t>
+            </a:r>
+            <a:r>
+              <a:rPr lang="en-US" sz="1000" b="0" i="0" baseline="30000" dirty="0">
+                <a:solidFill>
+                  <a:srgbClr val="0645AD"/>
+                </a:solidFill>
+                <a:effectLst/>
+                <a:latin typeface="Arial" panose="020B0604020202020204" pitchFamily="34" charset="0"/>
+              </a:rPr>
+              <a:t> </a:t>
+            </a:r>
+            <a:r>
+              <a:rPr lang="en-US" sz="1000" b="0" i="0" u="none" strike="noStrike" dirty="0">
+                <a:solidFill>
+                  <a:srgbClr val="0645AD"/>
+                </a:solidFill>
+                <a:effectLst/>
+                <a:latin typeface="Arial" panose="020B0604020202020204" pitchFamily="34" charset="0"/>
+                <a:hlinkClick r:id="rId5" tooltip="Wall"/>
+              </a:rPr>
+              <a:t>walls</a:t>
+            </a:r>
+            <a:r>
+              <a:rPr lang="en-US" sz="1000" b="0" i="0" dirty="0">
+                <a:solidFill>
+                  <a:srgbClr val="202122"/>
+                </a:solidFill>
+                <a:effectLst/>
+                <a:latin typeface="Arial" panose="020B0604020202020204" pitchFamily="34" charset="0"/>
+              </a:rPr>
+              <a:t> standing more or less permanently in one place </a:t>
+            </a:r>
+            <a:endParaRPr lang="en-US" sz="1000" dirty="0"/>
+          </a:p>
+        </p:txBody>
+      </p:sp>
+      <p:sp>
+        <p:nvSpPr>
+          <p:cNvPr id="149" name="TextBox 148">
+            <a:extLst>
+              <a:ext uri="{FF2B5EF4-FFF2-40B4-BE49-F238E27FC236}">
+                <a16:creationId xmlns:a16="http://schemas.microsoft.com/office/drawing/2014/main" id="{AD40CDEC-2352-429D-A936-EB115923325F}"/>
+              </a:ext>
+            </a:extLst>
+          </p:cNvPr>
+          <p:cNvSpPr txBox="1"/>
+          <p:nvPr/>
+        </p:nvSpPr>
+        <p:spPr>
+          <a:xfrm>
+            <a:off x="8262682" y="8872814"/>
+            <a:ext cx="1938592" cy="707886"/>
+          </a:xfrm>
+          <a:prstGeom prst="rect">
+            <a:avLst/>
+          </a:prstGeom>
+          <a:noFill/>
+        </p:spPr>
+        <p:txBody>
+          <a:bodyPr wrap="square" rtlCol="0">
+            <a:spAutoFit/>
+          </a:bodyPr>
+          <a:lstStyle/>
+          <a:p>
+            <a:r>
+              <a:rPr lang="en-US" sz="1000" dirty="0"/>
+              <a:t>Feature of interest is the liquid or gas contained in the subsurface reservoir, e.g. oil, natural gas, CO</a:t>
+            </a:r>
+            <a:r>
+              <a:rPr lang="en-US" sz="1000" baseline="-25000" dirty="0"/>
+              <a:t>2</a:t>
+            </a:r>
+            <a:r>
+              <a:rPr lang="en-US" sz="1000" dirty="0"/>
+              <a:t>, water</a:t>
+            </a:r>
+          </a:p>
+        </p:txBody>
+      </p:sp>
+      <p:sp>
+        <p:nvSpPr>
+          <p:cNvPr id="150" name="TextBox 149">
+            <a:extLst>
+              <a:ext uri="{FF2B5EF4-FFF2-40B4-BE49-F238E27FC236}">
+                <a16:creationId xmlns:a16="http://schemas.microsoft.com/office/drawing/2014/main" id="{D85DCDF3-3BAD-4102-B5A6-6A6A27EF3C79}"/>
+              </a:ext>
+            </a:extLst>
+          </p:cNvPr>
+          <p:cNvSpPr txBox="1"/>
+          <p:nvPr/>
+        </p:nvSpPr>
+        <p:spPr>
+          <a:xfrm>
+            <a:off x="2548588" y="11534783"/>
+            <a:ext cx="1883199" cy="400110"/>
+          </a:xfrm>
+          <a:prstGeom prst="rect">
+            <a:avLst/>
+          </a:prstGeom>
+          <a:noFill/>
+        </p:spPr>
+        <p:txBody>
+          <a:bodyPr wrap="square" rtlCol="0">
+            <a:spAutoFit/>
+          </a:bodyPr>
+          <a:lstStyle/>
+          <a:p>
+            <a:r>
+              <a:rPr lang="en-US" sz="1000" dirty="0"/>
+              <a:t>Sampled feature is river, stream, lake, salt lake, spring, etc.</a:t>
+            </a:r>
+          </a:p>
+        </p:txBody>
+      </p:sp>
+      <p:sp>
+        <p:nvSpPr>
+          <p:cNvPr id="151" name="TextBox 150">
+            <a:extLst>
+              <a:ext uri="{FF2B5EF4-FFF2-40B4-BE49-F238E27FC236}">
+                <a16:creationId xmlns:a16="http://schemas.microsoft.com/office/drawing/2014/main" id="{632DA646-D9DF-4955-ADA0-891AF715EC2F}"/>
+              </a:ext>
+            </a:extLst>
+          </p:cNvPr>
+          <p:cNvSpPr txBox="1"/>
+          <p:nvPr/>
+        </p:nvSpPr>
+        <p:spPr>
+          <a:xfrm>
+            <a:off x="145931" y="11439353"/>
+            <a:ext cx="2178112" cy="553998"/>
+          </a:xfrm>
+          <a:prstGeom prst="rect">
+            <a:avLst/>
+          </a:prstGeom>
+          <a:noFill/>
+        </p:spPr>
+        <p:txBody>
+          <a:bodyPr wrap="square" rtlCol="0">
+            <a:spAutoFit/>
+          </a:bodyPr>
+          <a:lstStyle/>
+          <a:p>
+            <a:r>
+              <a:rPr lang="en-US" sz="1000" dirty="0"/>
+              <a:t>Include brackish and hypersaline water bodies in marine borderland wetlands, estuaries, coastal </a:t>
+            </a:r>
+            <a:r>
+              <a:rPr lang="en-US" sz="1000" dirty="0" err="1"/>
+              <a:t>sabka</a:t>
+            </a:r>
+            <a:r>
+              <a:rPr lang="en-US" sz="1000" dirty="0"/>
+              <a:t>, etc.</a:t>
+            </a:r>
+          </a:p>
+        </p:txBody>
+      </p:sp>
+      <p:sp>
+        <p:nvSpPr>
+          <p:cNvPr id="165" name="TextBox 164">
+            <a:extLst>
+              <a:ext uri="{FF2B5EF4-FFF2-40B4-BE49-F238E27FC236}">
+                <a16:creationId xmlns:a16="http://schemas.microsoft.com/office/drawing/2014/main" id="{584253F3-74F1-4BB1-9D9F-6137DA70DDF8}"/>
+              </a:ext>
+            </a:extLst>
+          </p:cNvPr>
+          <p:cNvSpPr txBox="1"/>
+          <p:nvPr/>
+        </p:nvSpPr>
+        <p:spPr>
+          <a:xfrm>
+            <a:off x="-31638" y="8161519"/>
+            <a:ext cx="1883199" cy="707886"/>
+          </a:xfrm>
+          <a:prstGeom prst="rect">
+            <a:avLst/>
+          </a:prstGeom>
+          <a:noFill/>
+        </p:spPr>
+        <p:txBody>
+          <a:bodyPr wrap="square" rtlCol="0">
+            <a:spAutoFit/>
+          </a:bodyPr>
+          <a:lstStyle/>
+          <a:p>
+            <a:r>
+              <a:rPr lang="en-US" sz="1000" dirty="0"/>
+              <a:t>Things collected on the surface at the bottom of a water body, e.g. dredge haul, manganese nodules.</a:t>
+            </a:r>
+          </a:p>
+        </p:txBody>
+      </p:sp>
+      <p:sp>
+        <p:nvSpPr>
+          <p:cNvPr id="176" name="TextBox 175">
+            <a:extLst>
+              <a:ext uri="{FF2B5EF4-FFF2-40B4-BE49-F238E27FC236}">
+                <a16:creationId xmlns:a16="http://schemas.microsoft.com/office/drawing/2014/main" id="{19FFD81B-5FE1-4999-8CB3-23196F310F4D}"/>
+              </a:ext>
+            </a:extLst>
+          </p:cNvPr>
+          <p:cNvSpPr txBox="1"/>
+          <p:nvPr/>
+        </p:nvSpPr>
+        <p:spPr>
+          <a:xfrm>
+            <a:off x="8233792" y="6855735"/>
+            <a:ext cx="1412381" cy="246221"/>
+          </a:xfrm>
+          <a:prstGeom prst="rect">
+            <a:avLst/>
+          </a:prstGeom>
+          <a:noFill/>
+        </p:spPr>
+        <p:txBody>
+          <a:bodyPr wrap="square" rtlCol="0">
+            <a:spAutoFit/>
+          </a:bodyPr>
+          <a:lstStyle/>
+          <a:p>
+            <a:r>
+              <a:rPr lang="en-US" sz="1000" dirty="0"/>
+              <a:t>e.g. synthetic materials</a:t>
+            </a:r>
+          </a:p>
+        </p:txBody>
+      </p:sp>
+      <p:sp>
+        <p:nvSpPr>
+          <p:cNvPr id="3" name="TextBox 2">
+            <a:extLst>
+              <a:ext uri="{FF2B5EF4-FFF2-40B4-BE49-F238E27FC236}">
+                <a16:creationId xmlns:a16="http://schemas.microsoft.com/office/drawing/2014/main" id="{C9B98211-DEE1-4494-ADF3-8C0E6231B50E}"/>
+              </a:ext>
+            </a:extLst>
+          </p:cNvPr>
+          <p:cNvSpPr txBox="1"/>
+          <p:nvPr/>
+        </p:nvSpPr>
+        <p:spPr>
+          <a:xfrm>
+            <a:off x="3715532" y="8079430"/>
+            <a:ext cx="2218877" cy="707886"/>
+          </a:xfrm>
+          <a:prstGeom prst="rect">
+            <a:avLst/>
+          </a:prstGeom>
+          <a:noFill/>
+        </p:spPr>
+        <p:txBody>
+          <a:bodyPr wrap="square" rtlCol="0">
+            <a:spAutoFit/>
+          </a:bodyPr>
+          <a:lstStyle>
+            <a:defPPr>
+              <a:defRPr lang="en-US"/>
+            </a:defPPr>
+            <a:lvl1pPr>
+              <a:defRPr sz="1000"/>
+            </a:lvl1pPr>
+          </a:lstStyle>
+          <a:p>
+            <a:r>
+              <a:rPr lang="en-US" dirty="0"/>
+              <a:t>Sample is collected on the surface, or immediately below surface (zone of bioturbation). Include soil ‘O’ horizon and ‘biomantle’. </a:t>
+            </a:r>
+          </a:p>
+        </p:txBody>
+      </p:sp>
     </p:spTree>
     <p:extLst>
       <p:ext uri="{BB962C8B-B14F-4D97-AF65-F5344CB8AC3E}">
